--- a/Class_Notes/Week8_Timeseries.pptx
+++ b/Class_Notes/Week8_Timeseries.pptx
@@ -9,6 +9,7 @@
     <p:sldId id="257" r:id="rId3"/>
     <p:sldId id="258" r:id="rId4"/>
     <p:sldId id="259" r:id="rId5"/>
+    <p:sldId id="260" r:id="rId6"/>
   </p:sldIdLst>
   <p:sldSz cx="12192000" cy="6858000"/>
   <p:notesSz cx="6858000" cy="9144000"/>
@@ -110,12 +111,7 @@
   <p:extLst>
     <p:ext uri="{EFAFB233-063F-42B5-8137-9DF3F51BA10A}">
       <p15:sldGuideLst xmlns:p15="http://schemas.microsoft.com/office/powerpoint/2012/main">
-        <p15:guide id="1" orient="horz" pos="2160" userDrawn="1">
-          <p15:clr>
-            <a:srgbClr val="A4A3A4"/>
-          </p15:clr>
-        </p15:guide>
-        <p15:guide id="2" pos="6504" userDrawn="1">
+        <p15:guide id="2" pos="7608" userDrawn="1">
           <p15:clr>
             <a:srgbClr val="A4A3A4"/>
           </p15:clr>
@@ -273,7 +269,7 @@
           <a:p>
             <a:fld id="{8468CD80-9780-DF40-833C-A664B5BDBE20}" type="datetimeFigureOut">
               <a:rPr lang="en-US" smtClean="0"/>
-              <a:t>10/17/23</a:t>
+              <a:t>10/19/23</a:t>
             </a:fld>
             <a:endParaRPr lang="en-US"/>
           </a:p>
@@ -471,7 +467,7 @@
           <a:p>
             <a:fld id="{8468CD80-9780-DF40-833C-A664B5BDBE20}" type="datetimeFigureOut">
               <a:rPr lang="en-US" smtClean="0"/>
-              <a:t>10/17/23</a:t>
+              <a:t>10/19/23</a:t>
             </a:fld>
             <a:endParaRPr lang="en-US"/>
           </a:p>
@@ -679,7 +675,7 @@
           <a:p>
             <a:fld id="{8468CD80-9780-DF40-833C-A664B5BDBE20}" type="datetimeFigureOut">
               <a:rPr lang="en-US" smtClean="0"/>
-              <a:t>10/17/23</a:t>
+              <a:t>10/19/23</a:t>
             </a:fld>
             <a:endParaRPr lang="en-US"/>
           </a:p>
@@ -877,7 +873,7 @@
           <a:p>
             <a:fld id="{8468CD80-9780-DF40-833C-A664B5BDBE20}" type="datetimeFigureOut">
               <a:rPr lang="en-US" smtClean="0"/>
-              <a:t>10/17/23</a:t>
+              <a:t>10/19/23</a:t>
             </a:fld>
             <a:endParaRPr lang="en-US"/>
           </a:p>
@@ -1152,7 +1148,7 @@
           <a:p>
             <a:fld id="{8468CD80-9780-DF40-833C-A664B5BDBE20}" type="datetimeFigureOut">
               <a:rPr lang="en-US" smtClean="0"/>
-              <a:t>10/17/23</a:t>
+              <a:t>10/19/23</a:t>
             </a:fld>
             <a:endParaRPr lang="en-US"/>
           </a:p>
@@ -1417,7 +1413,7 @@
           <a:p>
             <a:fld id="{8468CD80-9780-DF40-833C-A664B5BDBE20}" type="datetimeFigureOut">
               <a:rPr lang="en-US" smtClean="0"/>
-              <a:t>10/17/23</a:t>
+              <a:t>10/19/23</a:t>
             </a:fld>
             <a:endParaRPr lang="en-US"/>
           </a:p>
@@ -1829,7 +1825,7 @@
           <a:p>
             <a:fld id="{8468CD80-9780-DF40-833C-A664B5BDBE20}" type="datetimeFigureOut">
               <a:rPr lang="en-US" smtClean="0"/>
-              <a:t>10/17/23</a:t>
+              <a:t>10/19/23</a:t>
             </a:fld>
             <a:endParaRPr lang="en-US"/>
           </a:p>
@@ -1970,7 +1966,7 @@
           <a:p>
             <a:fld id="{8468CD80-9780-DF40-833C-A664B5BDBE20}" type="datetimeFigureOut">
               <a:rPr lang="en-US" smtClean="0"/>
-              <a:t>10/17/23</a:t>
+              <a:t>10/19/23</a:t>
             </a:fld>
             <a:endParaRPr lang="en-US"/>
           </a:p>
@@ -2083,7 +2079,7 @@
           <a:p>
             <a:fld id="{8468CD80-9780-DF40-833C-A664B5BDBE20}" type="datetimeFigureOut">
               <a:rPr lang="en-US" smtClean="0"/>
-              <a:t>10/17/23</a:t>
+              <a:t>10/19/23</a:t>
             </a:fld>
             <a:endParaRPr lang="en-US"/>
           </a:p>
@@ -2394,7 +2390,7 @@
           <a:p>
             <a:fld id="{8468CD80-9780-DF40-833C-A664B5BDBE20}" type="datetimeFigureOut">
               <a:rPr lang="en-US" smtClean="0"/>
-              <a:t>10/17/23</a:t>
+              <a:t>10/19/23</a:t>
             </a:fld>
             <a:endParaRPr lang="en-US"/>
           </a:p>
@@ -2682,7 +2678,7 @@
           <a:p>
             <a:fld id="{8468CD80-9780-DF40-833C-A664B5BDBE20}" type="datetimeFigureOut">
               <a:rPr lang="en-US" smtClean="0"/>
-              <a:t>10/17/23</a:t>
+              <a:t>10/19/23</a:t>
             </a:fld>
             <a:endParaRPr lang="en-US"/>
           </a:p>
@@ -2923,7 +2919,7 @@
           <a:p>
             <a:fld id="{8468CD80-9780-DF40-833C-A664B5BDBE20}" type="datetimeFigureOut">
               <a:rPr lang="en-US" smtClean="0"/>
-              <a:t>10/17/23</a:t>
+              <a:t>10/19/23</a:t>
             </a:fld>
             <a:endParaRPr lang="en-US"/>
           </a:p>
@@ -4134,6 +4130,226 @@
 </p:sld>
 </file>
 
+<file path=ppt/slides/slide5.xml><?xml version="1.0" encoding="utf-8"?>
+<p:sld xmlns:a="http://schemas.openxmlformats.org/drawingml/2006/main" xmlns:r="http://schemas.openxmlformats.org/officeDocument/2006/relationships" xmlns:p="http://schemas.openxmlformats.org/presentationml/2006/main">
+  <p:cSld>
+    <p:spTree>
+      <p:nvGrpSpPr>
+        <p:cNvPr id="1" name=""/>
+        <p:cNvGrpSpPr/>
+        <p:nvPr/>
+      </p:nvGrpSpPr>
+      <p:grpSpPr>
+        <a:xfrm>
+          <a:off x="0" y="0"/>
+          <a:ext cx="0" cy="0"/>
+          <a:chOff x="0" y="0"/>
+          <a:chExt cx="0" cy="0"/>
+        </a:xfrm>
+      </p:grpSpPr>
+      <p:sp>
+        <p:nvSpPr>
+          <p:cNvPr id="2" name="Title 1">
+            <a:extLst>
+              <a:ext uri="{FF2B5EF4-FFF2-40B4-BE49-F238E27FC236}">
+                <a16:creationId xmlns:a16="http://schemas.microsoft.com/office/drawing/2014/main" id="{A293C792-EC99-69A5-A7D6-C80A9A743006}"/>
+              </a:ext>
+            </a:extLst>
+          </p:cNvPr>
+          <p:cNvSpPr>
+            <a:spLocks noGrp="1"/>
+          </p:cNvSpPr>
+          <p:nvPr>
+            <p:ph type="title"/>
+          </p:nvPr>
+        </p:nvSpPr>
+        <p:spPr/>
+        <p:txBody>
+          <a:bodyPr/>
+          <a:lstStyle/>
+          <a:p>
+            <a:r>
+              <a:rPr lang="en-US" dirty="0"/>
+              <a:t>Forecast Results</a:t>
+            </a:r>
+          </a:p>
+        </p:txBody>
+      </p:sp>
+      <p:pic>
+        <p:nvPicPr>
+          <p:cNvPr id="5" name="Content Placeholder 4" descr="A graph with green and red dots&#10;&#10;Description automatically generated">
+            <a:extLst>
+              <a:ext uri="{FF2B5EF4-FFF2-40B4-BE49-F238E27FC236}">
+                <a16:creationId xmlns:a16="http://schemas.microsoft.com/office/drawing/2014/main" id="{77521232-81F0-E106-A3B3-A043A7F84390}"/>
+              </a:ext>
+            </a:extLst>
+          </p:cNvPr>
+          <p:cNvPicPr>
+            <a:picLocks noGrp="1" noChangeAspect="1"/>
+          </p:cNvPicPr>
+          <p:nvPr>
+            <p:ph idx="1"/>
+          </p:nvPr>
+        </p:nvPicPr>
+        <p:blipFill>
+          <a:blip r:embed="rId2"/>
+          <a:stretch>
+            <a:fillRect/>
+          </a:stretch>
+        </p:blipFill>
+        <p:spPr>
+          <a:xfrm>
+            <a:off x="838200" y="2303122"/>
+            <a:ext cx="9144000" cy="3657600"/>
+          </a:xfrm>
+        </p:spPr>
+      </p:pic>
+      <p:pic>
+        <p:nvPicPr>
+          <p:cNvPr id="6" name="Picture 5">
+            <a:extLst>
+              <a:ext uri="{FF2B5EF4-FFF2-40B4-BE49-F238E27FC236}">
+                <a16:creationId xmlns:a16="http://schemas.microsoft.com/office/drawing/2014/main" id="{715884AB-864D-A53C-71C1-087302AC66D8}"/>
+              </a:ext>
+            </a:extLst>
+          </p:cNvPr>
+          <p:cNvPicPr>
+            <a:picLocks noChangeAspect="1"/>
+          </p:cNvPicPr>
+          <p:nvPr/>
+        </p:nvPicPr>
+        <p:blipFill rotWithShape="1">
+          <a:blip r:embed="rId3"/>
+          <a:srcRect l="4328" t="17154" b="27767"/>
+          <a:stretch/>
+        </p:blipFill>
+        <p:spPr>
+          <a:xfrm>
+            <a:off x="8588829" y="4703535"/>
+            <a:ext cx="3488871" cy="1975757"/>
+          </a:xfrm>
+          <a:prstGeom prst="rect">
+            <a:avLst/>
+          </a:prstGeom>
+        </p:spPr>
+      </p:pic>
+      <p:pic>
+        <p:nvPicPr>
+          <p:cNvPr id="7" name="Picture 6">
+            <a:extLst>
+              <a:ext uri="{FF2B5EF4-FFF2-40B4-BE49-F238E27FC236}">
+                <a16:creationId xmlns:a16="http://schemas.microsoft.com/office/drawing/2014/main" id="{AE2D9129-AA9A-8BF7-28D3-66188322B20B}"/>
+              </a:ext>
+            </a:extLst>
+          </p:cNvPr>
+          <p:cNvPicPr>
+            <a:picLocks noChangeAspect="1"/>
+          </p:cNvPicPr>
+          <p:nvPr/>
+        </p:nvPicPr>
+        <p:blipFill rotWithShape="1">
+          <a:blip r:embed="rId4"/>
+          <a:srcRect b="41758"/>
+          <a:stretch/>
+        </p:blipFill>
+        <p:spPr>
+          <a:xfrm>
+            <a:off x="9296400" y="0"/>
+            <a:ext cx="2895600" cy="2906940"/>
+          </a:xfrm>
+          <a:prstGeom prst="rect">
+            <a:avLst/>
+          </a:prstGeom>
+        </p:spPr>
+      </p:pic>
+    </p:spTree>
+    <p:extLst>
+      <p:ext uri="{BB962C8B-B14F-4D97-AF65-F5344CB8AC3E}">
+        <p14:creationId xmlns:p14="http://schemas.microsoft.com/office/powerpoint/2010/main" val="2688026442"/>
+      </p:ext>
+    </p:extLst>
+  </p:cSld>
+  <p:clrMapOvr>
+    <a:masterClrMapping/>
+  </p:clrMapOvr>
+  <p:timing>
+    <p:tnLst>
+      <p:par>
+        <p:cTn id="1" dur="indefinite" restart="never" nodeType="tmRoot">
+          <p:childTnLst>
+            <p:seq concurrent="1" nextAc="seek">
+              <p:cTn id="2" dur="indefinite" nodeType="mainSeq">
+                <p:childTnLst>
+                  <p:par>
+                    <p:cTn id="3" fill="hold">
+                      <p:stCondLst>
+                        <p:cond delay="indefinite"/>
+                      </p:stCondLst>
+                      <p:childTnLst>
+                        <p:par>
+                          <p:cTn id="4" fill="hold">
+                            <p:stCondLst>
+                              <p:cond delay="0"/>
+                            </p:stCondLst>
+                            <p:childTnLst>
+                              <p:par>
+                                <p:cTn id="5" presetID="1" presetClass="entr" presetSubtype="0" fill="hold" nodeType="clickEffect">
+                                  <p:stCondLst>
+                                    <p:cond delay="0"/>
+                                  </p:stCondLst>
+                                  <p:childTnLst>
+                                    <p:set>
+                                      <p:cBhvr>
+                                        <p:cTn id="6" dur="1" fill="hold">
+                                          <p:stCondLst>
+                                            <p:cond delay="0"/>
+                                          </p:stCondLst>
+                                        </p:cTn>
+                                        <p:tgtEl>
+                                          <p:spTgt spid="7"/>
+                                        </p:tgtEl>
+                                        <p:attrNameLst>
+                                          <p:attrName>style.visibility</p:attrName>
+                                        </p:attrNameLst>
+                                      </p:cBhvr>
+                                      <p:to>
+                                        <p:strVal val="visible"/>
+                                      </p:to>
+                                    </p:set>
+                                  </p:childTnLst>
+                                </p:cTn>
+                              </p:par>
+                            </p:childTnLst>
+                          </p:cTn>
+                        </p:par>
+                      </p:childTnLst>
+                    </p:cTn>
+                  </p:par>
+                </p:childTnLst>
+              </p:cTn>
+              <p:prevCondLst>
+                <p:cond evt="onPrev" delay="0">
+                  <p:tgtEl>
+                    <p:sldTgt/>
+                  </p:tgtEl>
+                </p:cond>
+              </p:prevCondLst>
+              <p:nextCondLst>
+                <p:cond evt="onNext" delay="0">
+                  <p:tgtEl>
+                    <p:sldTgt/>
+                  </p:tgtEl>
+                </p:cond>
+              </p:nextCondLst>
+            </p:seq>
+          </p:childTnLst>
+        </p:cTn>
+      </p:par>
+    </p:tnLst>
+  </p:timing>
+</p:sld>
+</file>
+
 <file path=ppt/theme/theme1.xml><?xml version="1.0" encoding="utf-8"?>
 <a:theme xmlns:a="http://schemas.openxmlformats.org/drawingml/2006/main" name="Office Theme">
   <a:themeElements>
